--- a/docs/4 - SEA_recap.pptx
+++ b/docs/4 - SEA_recap.pptx
@@ -119,6 +119,11 @@
       </a:defRPr>
     </a:lvl9pPr>
   </p:defaultTextStyle>
+  <p:extLst>
+    <p:ext uri="{EFAFB233-063F-42B5-8137-9DF3F51BA10A}">
+      <p15:sldGuideLst xmlns:p15="http://schemas.microsoft.com/office/powerpoint/2012/main"/>
+    </p:ext>
+  </p:extLst>
 </p:presentation>
 </file>
 
@@ -269,7 +274,7 @@
           <a:p>
             <a:fld id="{F8721666-5DFF-4395-8AB9-53E20FCBAE08}" type="datetimeFigureOut">
               <a:rPr lang="en-US" smtClean="0"/>
-              <a:t>4/28/2021</a:t>
+              <a:t>4/29/2021</a:t>
             </a:fld>
             <a:endParaRPr lang="en-US"/>
           </a:p>
@@ -467,7 +472,7 @@
           <a:p>
             <a:fld id="{F8721666-5DFF-4395-8AB9-53E20FCBAE08}" type="datetimeFigureOut">
               <a:rPr lang="en-US" smtClean="0"/>
-              <a:t>4/28/2021</a:t>
+              <a:t>4/29/2021</a:t>
             </a:fld>
             <a:endParaRPr lang="en-US"/>
           </a:p>
@@ -675,7 +680,7 @@
           <a:p>
             <a:fld id="{F8721666-5DFF-4395-8AB9-53E20FCBAE08}" type="datetimeFigureOut">
               <a:rPr lang="en-US" smtClean="0"/>
-              <a:t>4/28/2021</a:t>
+              <a:t>4/29/2021</a:t>
             </a:fld>
             <a:endParaRPr lang="en-US"/>
           </a:p>
@@ -873,7 +878,7 @@
           <a:p>
             <a:fld id="{F8721666-5DFF-4395-8AB9-53E20FCBAE08}" type="datetimeFigureOut">
               <a:rPr lang="en-US" smtClean="0"/>
-              <a:t>4/28/2021</a:t>
+              <a:t>4/29/2021</a:t>
             </a:fld>
             <a:endParaRPr lang="en-US"/>
           </a:p>
@@ -1148,7 +1153,7 @@
           <a:p>
             <a:fld id="{F8721666-5DFF-4395-8AB9-53E20FCBAE08}" type="datetimeFigureOut">
               <a:rPr lang="en-US" smtClean="0"/>
-              <a:t>4/28/2021</a:t>
+              <a:t>4/29/2021</a:t>
             </a:fld>
             <a:endParaRPr lang="en-US"/>
           </a:p>
@@ -1413,7 +1418,7 @@
           <a:p>
             <a:fld id="{F8721666-5DFF-4395-8AB9-53E20FCBAE08}" type="datetimeFigureOut">
               <a:rPr lang="en-US" smtClean="0"/>
-              <a:t>4/28/2021</a:t>
+              <a:t>4/29/2021</a:t>
             </a:fld>
             <a:endParaRPr lang="en-US"/>
           </a:p>
@@ -1825,7 +1830,7 @@
           <a:p>
             <a:fld id="{F8721666-5DFF-4395-8AB9-53E20FCBAE08}" type="datetimeFigureOut">
               <a:rPr lang="en-US" smtClean="0"/>
-              <a:t>4/28/2021</a:t>
+              <a:t>4/29/2021</a:t>
             </a:fld>
             <a:endParaRPr lang="en-US"/>
           </a:p>
@@ -1966,7 +1971,7 @@
           <a:p>
             <a:fld id="{F8721666-5DFF-4395-8AB9-53E20FCBAE08}" type="datetimeFigureOut">
               <a:rPr lang="en-US" smtClean="0"/>
-              <a:t>4/28/2021</a:t>
+              <a:t>4/29/2021</a:t>
             </a:fld>
             <a:endParaRPr lang="en-US"/>
           </a:p>
@@ -2079,7 +2084,7 @@
           <a:p>
             <a:fld id="{F8721666-5DFF-4395-8AB9-53E20FCBAE08}" type="datetimeFigureOut">
               <a:rPr lang="en-US" smtClean="0"/>
-              <a:t>4/28/2021</a:t>
+              <a:t>4/29/2021</a:t>
             </a:fld>
             <a:endParaRPr lang="en-US"/>
           </a:p>
@@ -2390,7 +2395,7 @@
           <a:p>
             <a:fld id="{F8721666-5DFF-4395-8AB9-53E20FCBAE08}" type="datetimeFigureOut">
               <a:rPr lang="en-US" smtClean="0"/>
-              <a:t>4/28/2021</a:t>
+              <a:t>4/29/2021</a:t>
             </a:fld>
             <a:endParaRPr lang="en-US"/>
           </a:p>
@@ -2678,7 +2683,7 @@
           <a:p>
             <a:fld id="{F8721666-5DFF-4395-8AB9-53E20FCBAE08}" type="datetimeFigureOut">
               <a:rPr lang="en-US" smtClean="0"/>
-              <a:t>4/28/2021</a:t>
+              <a:t>4/29/2021</a:t>
             </a:fld>
             <a:endParaRPr lang="en-US"/>
           </a:p>
@@ -2919,7 +2924,7 @@
           <a:p>
             <a:fld id="{F8721666-5DFF-4395-8AB9-53E20FCBAE08}" type="datetimeFigureOut">
               <a:rPr lang="en-US" smtClean="0"/>
-              <a:t>4/28/2021</a:t>
+              <a:t>4/29/2021</a:t>
             </a:fld>
             <a:endParaRPr lang="en-US"/>
           </a:p>
@@ -8047,7 +8052,7 @@
         <p:spPr>
           <a:xfrm>
             <a:off x="476250" y="922453"/>
-            <a:ext cx="11239500" cy="5262979"/>
+            <a:ext cx="11239500" cy="5693866"/>
           </a:xfrm>
           <a:prstGeom prst="rect">
             <a:avLst/>
@@ -8176,6 +8181,23 @@
                 <a:cs typeface="Source Sans Pro"/>
               </a:rPr>
               <a:t>players’ actions and decision in the story are meaningful</a:t>
+            </a:r>
+          </a:p>
+          <a:p>
+            <a:pPr marL="457200" indent="-457200">
+              <a:buFontTx/>
+              <a:buChar char="-"/>
+            </a:pPr>
+            <a:r>
+              <a:rPr lang="en-US" sz="2800" dirty="0">
+                <a:solidFill>
+                  <a:srgbClr val="666666"/>
+                </a:solidFill>
+                <a:latin typeface="Roboto" pitchFamily="2" charset="0"/>
+                <a:ea typeface="Roboto" pitchFamily="2" charset="0"/>
+                <a:cs typeface="Source Sans Pro"/>
+              </a:rPr>
+              <a:t>Players’ must have a reason/objective</a:t>
             </a:r>
           </a:p>
           <a:p>
